--- a/boards/pir-shield/pir-shield-pinout.pptx
+++ b/boards/pir-shield/pir-shield-pinout.pptx
@@ -5558,8 +5558,8 @@
                 </p:nvSpPr>
                 <p:spPr>
                   <a:xfrm>
-                    <a:off x="513561" y="1116548"/>
-                    <a:ext cx="2776721" cy="954107"/>
+                    <a:off x="1090642" y="1116548"/>
+                    <a:ext cx="2199640" cy="954107"/>
                   </a:xfrm>
                   <a:prstGeom prst="rect">
                     <a:avLst/>
@@ -5578,7 +5578,7 @@
                         <a:ln w="0"/>
                         <a:latin typeface="Arial Black" panose="020B0A04020102020204" pitchFamily="34" charset="0"/>
                       </a:rPr>
-                      <a:t>CAN/RS232</a:t>
+                      <a:t>PIR Shield</a:t>
                     </a:r>
                   </a:p>
                   <a:p>
@@ -5588,7 +5588,7 @@
                         <a:ln w="0"/>
                         <a:latin typeface="Arial Black" panose="020B0A04020102020204" pitchFamily="34" charset="0"/>
                       </a:rPr>
-                      <a:t>Shield Pinout</a:t>
+                      <a:t>Pinout</a:t>
                     </a:r>
                   </a:p>
                 </p:txBody>
